--- a/bluebird5/位置情報サービス.pptx
+++ b/bluebird5/位置情報サービス.pptx
@@ -8,8 +8,8 @@
     <p:sldId id="256" r:id="rId2"/>
     <p:sldId id="260" r:id="rId3"/>
     <p:sldId id="257" r:id="rId4"/>
-    <p:sldId id="258" r:id="rId5"/>
-    <p:sldId id="259" r:id="rId6"/>
+    <p:sldId id="259" r:id="rId5"/>
+    <p:sldId id="261" r:id="rId6"/>
   </p:sldIdLst>
   <p:sldSz cx="12192000" cy="6858000"/>
   <p:notesSz cx="6858000" cy="9144000"/>
@@ -108,6 +108,11 @@
       </a:defRPr>
     </a:lvl9pPr>
   </p:defaultTextStyle>
+  <p:extLst>
+    <p:ext uri="{EFAFB233-063F-42B5-8137-9DF3F51BA10A}">
+      <p15:sldGuideLst xmlns:p15="http://schemas.microsoft.com/office/powerpoint/2012/main"/>
+    </p:ext>
+  </p:extLst>
 </p:presentation>
 </file>
 
@@ -6145,10 +6150,15 @@
             <p:ph type="subTitle" idx="1"/>
           </p:nvPr>
         </p:nvSpPr>
-        <p:spPr/>
+        <p:spPr>
+          <a:xfrm>
+            <a:off x="2692398" y="3657596"/>
+            <a:ext cx="6815669" cy="1719075"/>
+          </a:xfrm>
+        </p:spPr>
         <p:txBody>
           <a:bodyPr>
-            <a:normAutofit fontScale="55000" lnSpcReduction="20000"/>
+            <a:normAutofit fontScale="85000" lnSpcReduction="20000"/>
           </a:bodyPr>
           <a:lstStyle/>
           <a:p>
@@ -6183,7 +6193,11 @@
           </a:p>
           <a:p>
             <a:r>
-              <a:rPr lang="en-US" altLang="ja-JP" dirty="0"/>
+              <a:rPr lang="ja-JP" altLang="en-US" dirty="0" smtClean="0"/>
+              <a:t>　　　　　</a:t>
+            </a:r>
+            <a:r>
+              <a:rPr lang="en-US" altLang="ja-JP" dirty="0" smtClean="0"/>
               <a:t>21611260</a:t>
             </a:r>
             <a:r>
@@ -6214,6 +6228,13 @@
   <p:clrMapOvr>
     <a:masterClrMapping/>
   </p:clrMapOvr>
+  <p:timing>
+    <p:tnLst>
+      <p:par>
+        <p:cTn id="1" dur="indefinite" restart="never" nodeType="tmRoot"/>
+      </p:par>
+    </p:tnLst>
+  </p:timing>
 </p:sld>
 </file>
 
@@ -6274,14 +6295,28 @@
           <a:p>
             <a:r>
               <a:rPr lang="ja-JP" altLang="en-US" dirty="0"/>
-              <a:t>コンセプト：バスを利用しやすいようにするアプリ</a:t>
-            </a:r>
+              <a:t>コンセプト：バスを利用しやすいようにする</a:t>
+            </a:r>
+            <a:r>
+              <a:rPr lang="ja-JP" altLang="en-US" dirty="0" smtClean="0"/>
+              <a:t>アプリ</a:t>
+            </a:r>
+            <a:endParaRPr lang="ja-JP" altLang="en-US" dirty="0"/>
           </a:p>
           <a:p>
             <a:r>
               <a:rPr lang="ja-JP" altLang="en-US" dirty="0"/>
-              <a:t>ターゲット；全国の皆様</a:t>
-            </a:r>
+              <a:t>ターゲット</a:t>
+            </a:r>
+            <a:r>
+              <a:rPr lang="ja-JP" altLang="en-US" dirty="0" smtClean="0"/>
+              <a:t>；バスを利用</a:t>
+            </a:r>
+            <a:r>
+              <a:rPr lang="ja-JP" altLang="en-US" smtClean="0"/>
+              <a:t>する人</a:t>
+            </a:r>
+            <a:endParaRPr lang="ja-JP" altLang="en-US" dirty="0"/>
           </a:p>
           <a:p>
             <a:r>
@@ -6302,6 +6337,13 @@
   <p:clrMapOvr>
     <a:masterClrMapping/>
   </p:clrMapOvr>
+  <p:timing>
+    <p:tnLst>
+      <p:par>
+        <p:cTn id="1" dur="indefinite" restart="never" nodeType="tmRoot"/>
+      </p:par>
+    </p:tnLst>
+  </p:timing>
 </p:sld>
 </file>
 
@@ -6362,7 +6404,30 @@
           <a:p>
             <a:r>
               <a:rPr lang="ja-JP" altLang="en-US" dirty="0"/>
-              <a:t>バスの位置情報を正確に特定する利点は、バスは、時間通りに来る事は少なく当日の交通状況によって時間が左右します、 </a:t>
+              <a:t>バスの位置情報を正確に特定する利点は</a:t>
+            </a:r>
+            <a:r>
+              <a:rPr lang="ja-JP" altLang="en-US" dirty="0" smtClean="0"/>
+              <a:t>、</a:t>
+            </a:r>
+            <a:endParaRPr lang="en-US" altLang="ja-JP" dirty="0" smtClean="0"/>
+          </a:p>
+          <a:p>
+            <a:r>
+              <a:rPr lang="ja-JP" altLang="en-US" dirty="0" smtClean="0"/>
+              <a:t>バス</a:t>
+            </a:r>
+            <a:r>
+              <a:rPr lang="ja-JP" altLang="en-US" dirty="0"/>
+              <a:t>は、時間通りに来る事は少なく当日の交通状況によって時間が左右</a:t>
+            </a:r>
+            <a:r>
+              <a:rPr lang="ja-JP" altLang="en-US" dirty="0" smtClean="0"/>
+              <a:t>します</a:t>
+            </a:r>
+            <a:r>
+              <a:rPr lang="ja-JP" altLang="en-US" dirty="0"/>
+              <a:t>。</a:t>
             </a:r>
           </a:p>
           <a:p>
@@ -6403,6 +6468,13 @@
   <p:clrMapOvr>
     <a:masterClrMapping/>
   </p:clrMapOvr>
+  <p:timing>
+    <p:tnLst>
+      <p:par>
+        <p:cTn id="1" dur="indefinite" restart="never" nodeType="tmRoot"/>
+      </p:par>
+    </p:tnLst>
+  </p:timing>
 </p:sld>
 </file>
 
@@ -6440,7 +6512,7 @@
           <a:p>
             <a:r>
               <a:rPr lang="ja-JP" altLang="en-US" dirty="0"/>
-              <a:t>リワードプログラム</a:t>
+              <a:t>資金収支計画書の作成</a:t>
             </a:r>
             <a:endParaRPr kumimoji="1" lang="ja-JP" altLang="en-US" dirty="0"/>
           </a:p>
@@ -6463,106 +6535,156 @@
           <a:p>
             <a:r>
               <a:rPr lang="ja-JP" altLang="en-US" dirty="0"/>
-              <a:t>・アプリ内の広告削除代無料→本来は有料・・・</a:t>
+              <a:t>＊一台分のバスにかかる資金収支</a:t>
+            </a:r>
+            <a:r>
+              <a:rPr lang="ja-JP" altLang="en-US" dirty="0" smtClean="0"/>
+              <a:t>計画</a:t>
+            </a:r>
+            <a:endParaRPr lang="en-US" altLang="ja-JP" dirty="0" smtClean="0"/>
+          </a:p>
+          <a:p>
+            <a:r>
+              <a:rPr lang="ja-JP" altLang="en-US" dirty="0" smtClean="0"/>
+              <a:t>バス</a:t>
+            </a:r>
+            <a:r>
+              <a:rPr lang="ja-JP" altLang="en-US" dirty="0"/>
+              <a:t>一台の値段（大型バス）　</a:t>
             </a:r>
             <a:r>
               <a:rPr lang="en-US" altLang="ja-JP" dirty="0"/>
-              <a:t>5</a:t>
+              <a:t>2000</a:t>
+            </a:r>
+            <a:r>
+              <a:rPr lang="ja-JP" altLang="en-US" dirty="0" smtClean="0"/>
+              <a:t>万</a:t>
+            </a:r>
+            <a:endParaRPr lang="en-US" altLang="ja-JP" dirty="0" smtClean="0"/>
+          </a:p>
+          <a:p>
+            <a:r>
+              <a:rPr lang="ja-JP" altLang="en-US" dirty="0" smtClean="0"/>
+              <a:t>ガソリン代</a:t>
             </a:r>
             <a:r>
               <a:rPr lang="ja-JP" altLang="en-US" dirty="0"/>
-              <a:t>万・定期圏内無料反映→本来は有料・・・</a:t>
+              <a:t>（大型バス満タン時）　</a:t>
+            </a:r>
+            <a:r>
+              <a:rPr lang="en-US" altLang="ja-JP" dirty="0"/>
+              <a:t>5~6</a:t>
+            </a:r>
+            <a:r>
+              <a:rPr lang="ja-JP" altLang="en-US" dirty="0" smtClean="0"/>
+              <a:t>千円</a:t>
+            </a:r>
+            <a:endParaRPr lang="en-US" altLang="ja-JP" dirty="0" smtClean="0"/>
+          </a:p>
+          <a:p>
+            <a:r>
+              <a:rPr lang="ja-JP" altLang="en-US" dirty="0" smtClean="0"/>
+              <a:t>位置</a:t>
+            </a:r>
+            <a:r>
+              <a:rPr lang="ja-JP" altLang="en-US" dirty="0"/>
+              <a:t>情報を登録するための機器（ケータイ）　</a:t>
             </a:r>
             <a:r>
               <a:rPr lang="en-US" altLang="ja-JP" dirty="0"/>
               <a:t>10</a:t>
             </a:r>
             <a:r>
+              <a:rPr lang="ja-JP" altLang="en-US" dirty="0" smtClean="0"/>
+              <a:t>万</a:t>
+            </a:r>
+            <a:endParaRPr lang="en-US" altLang="ja-JP" dirty="0" smtClean="0"/>
+          </a:p>
+          <a:p>
+            <a:r>
+              <a:rPr lang="ja-JP" altLang="en-US" dirty="0" smtClean="0"/>
+              <a:t>通信</a:t>
+            </a:r>
+            <a:r>
               <a:rPr lang="ja-JP" altLang="en-US" dirty="0"/>
-              <a:t>万・回数券配布・・・</a:t>
+              <a:t>料金　</a:t>
             </a:r>
             <a:r>
               <a:rPr lang="en-US" altLang="ja-JP" dirty="0"/>
-              <a:t>2</a:t>
+              <a:t>1</a:t>
             </a:r>
             <a:r>
               <a:rPr lang="ja-JP" altLang="en-US" dirty="0"/>
-              <a:t>万・アプリ〇〇数ダウンロードごとに感謝の粗品（例：</a:t>
+              <a:t>万・アプリ開発費</a:t>
             </a:r>
             <a:r>
               <a:rPr lang="en-US" altLang="ja-JP" dirty="0"/>
-              <a:t>10</a:t>
+              <a:t>(</a:t>
             </a:r>
             <a:r>
               <a:rPr lang="ja-JP" altLang="en-US" dirty="0"/>
-              <a:t>万ダウンロード時→回数券。</a:t>
+              <a:t>位置情報系）　</a:t>
             </a:r>
             <a:r>
               <a:rPr lang="en-US" altLang="ja-JP" dirty="0"/>
-              <a:t>50</a:t>
-            </a:r>
-            <a:r>
-              <a:rPr lang="ja-JP" altLang="en-US" dirty="0"/>
-              <a:t>万ダウンロード時→カタログギフト</a:t>
-            </a:r>
-            <a:r>
-              <a:rPr lang="en-US" altLang="ja-JP" dirty="0"/>
-              <a:t>...</a:t>
-            </a:r>
-            <a:r>
-              <a:rPr lang="en-US" altLang="ja-JP" dirty="0" err="1"/>
-              <a:t>etc</a:t>
-            </a:r>
-            <a:r>
-              <a:rPr lang="en-US" altLang="ja-JP" dirty="0"/>
-              <a:t>)</a:t>
-            </a:r>
-            <a:r>
-              <a:rPr lang="ja-JP" altLang="en-US" dirty="0"/>
-              <a:t>・・・</a:t>
-            </a:r>
-            <a:r>
-              <a:rPr lang="en-US" altLang="ja-JP" dirty="0"/>
-              <a:t>20</a:t>
-            </a:r>
-            <a:r>
-              <a:rPr lang="ja-JP" altLang="en-US" dirty="0"/>
-              <a:t>万・乗車数によって特典（上記に類似）・・・</a:t>
-            </a:r>
-            <a:r>
-              <a:rPr lang="en-US" altLang="ja-JP" dirty="0"/>
-              <a:t>20</a:t>
-            </a:r>
-            <a:r>
-              <a:rPr lang="ja-JP" altLang="en-US" dirty="0"/>
-              <a:t>万金額は収支によって変動あり。</a:t>
-            </a:r>
-            <a:r>
-              <a:rPr lang="en-US" altLang="ja-JP" dirty="0"/>
-              <a:t>4</a:t>
-            </a:r>
-            <a:r>
-              <a:rPr lang="ja-JP" altLang="en-US" dirty="0"/>
-              <a:t>番→カタログギフトではなく、アプリのマークＴシャツ、パーカー</a:t>
-            </a:r>
-            <a:r>
-              <a:rPr lang="en-US" altLang="ja-JP" dirty="0" err="1"/>
-              <a:t>etc</a:t>
-            </a:r>
-            <a:endParaRPr kumimoji="1" lang="ja-JP" altLang="en-US" dirty="0"/>
+              <a:t>6~700</a:t>
+            </a:r>
+            <a:r>
+              <a:rPr lang="ja-JP" altLang="en-US" dirty="0" smtClean="0"/>
+              <a:t>万</a:t>
+            </a:r>
+            <a:endParaRPr lang="en-US" altLang="ja-JP" dirty="0" smtClean="0"/>
+          </a:p>
+          <a:p>
+            <a:r>
+              <a:rPr kumimoji="1" lang="ja-JP" altLang="en-US" sz="3200" dirty="0" smtClean="0">
+                <a:solidFill>
+                  <a:srgbClr val="FF0000"/>
+                </a:solidFill>
+              </a:rPr>
+              <a:t>総額：約</a:t>
+            </a:r>
+            <a:r>
+              <a:rPr kumimoji="1" lang="en-US" altLang="ja-JP" sz="3200" dirty="0" smtClean="0">
+                <a:solidFill>
+                  <a:srgbClr val="FF0000"/>
+                </a:solidFill>
+              </a:rPr>
+              <a:t>3000</a:t>
+            </a:r>
+            <a:r>
+              <a:rPr kumimoji="1" lang="ja-JP" altLang="en-US" sz="3200" dirty="0" smtClean="0">
+                <a:solidFill>
+                  <a:srgbClr val="FF0000"/>
+                </a:solidFill>
+              </a:rPr>
+              <a:t>万円</a:t>
+            </a:r>
+            <a:endParaRPr kumimoji="1" lang="ja-JP" altLang="en-US" sz="3200" dirty="0">
+              <a:solidFill>
+                <a:srgbClr val="FF0000"/>
+              </a:solidFill>
+            </a:endParaRPr>
           </a:p>
         </p:txBody>
       </p:sp>
     </p:spTree>
     <p:extLst>
       <p:ext uri="{BB962C8B-B14F-4D97-AF65-F5344CB8AC3E}">
-        <p14:creationId xmlns:p14="http://schemas.microsoft.com/office/powerpoint/2010/main" val="3106596784"/>
+        <p14:creationId xmlns:p14="http://schemas.microsoft.com/office/powerpoint/2010/main" val="2090869466"/>
       </p:ext>
     </p:extLst>
   </p:cSld>
   <p:clrMapOvr>
     <a:masterClrMapping/>
   </p:clrMapOvr>
+  <p:timing>
+    <p:tnLst>
+      <p:par>
+        <p:cTn id="1" dur="indefinite" restart="never" nodeType="tmRoot"/>
+      </p:par>
+    </p:tnLst>
+  </p:timing>
 </p:sld>
 </file>
 
@@ -6599,88 +6721,159 @@
           <a:lstStyle/>
           <a:p>
             <a:r>
+              <a:rPr lang="ja-JP" altLang="en-US" dirty="0" smtClean="0"/>
+              <a:t>リワードプログラム</a:t>
+            </a:r>
+            <a:endParaRPr kumimoji="1" lang="ja-JP" altLang="en-US" dirty="0"/>
+          </a:p>
+        </p:txBody>
+      </p:sp>
+      <p:sp>
+        <p:nvSpPr>
+          <p:cNvPr id="3" name="コンテンツ プレースホルダー 2"/>
+          <p:cNvSpPr>
+            <a:spLocks noGrp="1"/>
+          </p:cNvSpPr>
+          <p:nvPr>
+            <p:ph idx="1"/>
+          </p:nvPr>
+        </p:nvSpPr>
+        <p:spPr/>
+        <p:txBody>
+          <a:bodyPr>
+            <a:normAutofit fontScale="92500" lnSpcReduction="10000"/>
+          </a:bodyPr>
+          <a:lstStyle/>
+          <a:p>
+            <a:r>
+              <a:rPr kumimoji="1" lang="en-US" altLang="ja-JP" dirty="0" smtClean="0"/>
+              <a:t>1000</a:t>
+            </a:r>
+            <a:r>
+              <a:rPr lang="ja-JP" altLang="en-US" dirty="0" smtClean="0"/>
+              <a:t>円　　　</a:t>
+            </a:r>
+            <a:r>
+              <a:rPr lang="en-US" altLang="ja-JP" dirty="0" smtClean="0"/>
+              <a:t>1</a:t>
+            </a:r>
+            <a:r>
+              <a:rPr lang="ja-JP" altLang="en-US" dirty="0" smtClean="0"/>
+              <a:t>日乗車券と無料乗車券</a:t>
+            </a:r>
+            <a:endParaRPr lang="en-US" altLang="ja-JP" dirty="0" smtClean="0"/>
+          </a:p>
+          <a:p>
+            <a:endParaRPr lang="en-US" altLang="ja-JP" dirty="0" smtClean="0"/>
+          </a:p>
+          <a:p>
+            <a:r>
+              <a:rPr kumimoji="1" lang="en-US" altLang="ja-JP" dirty="0" smtClean="0"/>
+              <a:t>3000</a:t>
+            </a:r>
+            <a:r>
+              <a:rPr kumimoji="1" lang="ja-JP" altLang="en-US" dirty="0" smtClean="0"/>
+              <a:t>円　　　１０</a:t>
+            </a:r>
+            <a:r>
+              <a:rPr lang="ja-JP" altLang="en-US" dirty="0" smtClean="0"/>
+              <a:t>回分数券配布と</a:t>
+            </a:r>
+            <a:r>
+              <a:rPr lang="en-US" altLang="ja-JP" dirty="0" smtClean="0"/>
+              <a:t>10</a:t>
+            </a:r>
+            <a:r>
+              <a:rPr lang="ja-JP" altLang="en-US" dirty="0" smtClean="0"/>
+              <a:t>回</a:t>
+            </a:r>
+            <a:r>
               <a:rPr lang="ja-JP" altLang="en-US" dirty="0"/>
-              <a:t>資金収支計画書の作成</a:t>
-            </a:r>
-            <a:endParaRPr kumimoji="1" lang="ja-JP" altLang="en-US" dirty="0"/>
-          </a:p>
-        </p:txBody>
-      </p:sp>
-      <p:sp>
-        <p:nvSpPr>
-          <p:cNvPr id="3" name="コンテンツ プレースホルダー 2"/>
-          <p:cNvSpPr>
-            <a:spLocks noGrp="1"/>
-          </p:cNvSpPr>
-          <p:nvPr>
-            <p:ph idx="1"/>
-          </p:nvPr>
-        </p:nvSpPr>
-        <p:spPr/>
-        <p:txBody>
-          <a:bodyPr/>
-          <a:lstStyle/>
-          <a:p>
+              <a:t>無料</a:t>
+            </a:r>
+            <a:r>
+              <a:rPr lang="ja-JP" altLang="en-US" dirty="0" smtClean="0"/>
+              <a:t>乗車券</a:t>
+            </a:r>
+            <a:endParaRPr kumimoji="1" lang="en-US" altLang="ja-JP" dirty="0" smtClean="0"/>
+          </a:p>
+          <a:p>
+            <a:endParaRPr lang="en-US" altLang="ja-JP" dirty="0"/>
+          </a:p>
+          <a:p>
+            <a:r>
+              <a:rPr kumimoji="1" lang="en-US" altLang="ja-JP" dirty="0" smtClean="0"/>
+              <a:t>5000</a:t>
+            </a:r>
+            <a:r>
+              <a:rPr kumimoji="1" lang="ja-JP" altLang="en-US" dirty="0" smtClean="0"/>
+              <a:t>円　　　</a:t>
+            </a:r>
+            <a:r>
+              <a:rPr kumimoji="1" lang="en-US" altLang="ja-JP" dirty="0" smtClean="0"/>
+              <a:t>50</a:t>
+            </a:r>
+            <a:r>
+              <a:rPr kumimoji="1" lang="ja-JP" altLang="en-US" dirty="0" smtClean="0"/>
+              <a:t>回</a:t>
+            </a:r>
+            <a:r>
+              <a:rPr lang="ja-JP" altLang="en-US" dirty="0" smtClean="0"/>
+              <a:t>分回数券</a:t>
+            </a:r>
+            <a:r>
+              <a:rPr kumimoji="1" lang="ja-JP" altLang="en-US" dirty="0" smtClean="0"/>
+              <a:t>と３０回</a:t>
+            </a:r>
             <a:r>
               <a:rPr lang="ja-JP" altLang="en-US" dirty="0"/>
-              <a:t>＊一台分のバスにかかる資金収支計画・バス一台の値段（大型バス）　</a:t>
-            </a:r>
-            <a:r>
-              <a:rPr lang="en-US" altLang="ja-JP" dirty="0"/>
-              <a:t>2000</a:t>
+              <a:t>無料乗車券</a:t>
+            </a:r>
+            <a:endParaRPr lang="en-US" altLang="ja-JP" dirty="0"/>
+          </a:p>
+          <a:p>
+            <a:endParaRPr lang="en-US" altLang="ja-JP" dirty="0"/>
+          </a:p>
+          <a:p>
+            <a:r>
+              <a:rPr kumimoji="1" lang="en-US" altLang="ja-JP" dirty="0" smtClean="0"/>
+              <a:t>10000</a:t>
+            </a:r>
+            <a:r>
+              <a:rPr kumimoji="1" lang="ja-JP" altLang="en-US" dirty="0" smtClean="0"/>
+              <a:t>円　　　</a:t>
+            </a:r>
+            <a:r>
+              <a:rPr kumimoji="1" lang="en-US" altLang="ja-JP" dirty="0" smtClean="0"/>
+              <a:t>100</a:t>
+            </a:r>
+            <a:r>
+              <a:rPr kumimoji="1" lang="ja-JP" altLang="en-US" dirty="0" smtClean="0"/>
+              <a:t>回分回数券と</a:t>
+            </a:r>
+            <a:r>
+              <a:rPr kumimoji="1" lang="en-US" altLang="ja-JP" dirty="0" smtClean="0"/>
+              <a:t>50</a:t>
+            </a:r>
+            <a:r>
+              <a:rPr kumimoji="1" lang="ja-JP" altLang="en-US" dirty="0" smtClean="0"/>
+              <a:t>回</a:t>
             </a:r>
             <a:r>
               <a:rPr lang="ja-JP" altLang="en-US" dirty="0"/>
-              <a:t>万・ガソリン代（大型バス満タン時）　</a:t>
-            </a:r>
-            <a:r>
-              <a:rPr lang="en-US" altLang="ja-JP" dirty="0"/>
-              <a:t>5~6</a:t>
-            </a:r>
-            <a:r>
-              <a:rPr lang="ja-JP" altLang="en-US" dirty="0"/>
-              <a:t>千円・位置情報を登録するための機器（ケータイ）　</a:t>
-            </a:r>
-            <a:r>
-              <a:rPr lang="en-US" altLang="ja-JP" dirty="0"/>
-              <a:t>10</a:t>
-            </a:r>
-            <a:r>
-              <a:rPr lang="ja-JP" altLang="en-US" dirty="0"/>
-              <a:t>万・通信料金　</a:t>
-            </a:r>
-            <a:r>
-              <a:rPr lang="en-US" altLang="ja-JP" dirty="0"/>
-              <a:t>1</a:t>
-            </a:r>
-            <a:r>
-              <a:rPr lang="ja-JP" altLang="en-US" dirty="0"/>
-              <a:t>万・アプリ開発費</a:t>
-            </a:r>
-            <a:r>
-              <a:rPr lang="en-US" altLang="ja-JP" dirty="0"/>
-              <a:t>(</a:t>
-            </a:r>
-            <a:r>
-              <a:rPr lang="ja-JP" altLang="en-US" dirty="0"/>
-              <a:t>位置情報系）　</a:t>
-            </a:r>
-            <a:r>
-              <a:rPr lang="en-US" altLang="ja-JP" dirty="0"/>
-              <a:t>6~700</a:t>
-            </a:r>
-            <a:r>
-              <a:rPr lang="ja-JP" altLang="en-US" dirty="0"/>
-              <a:t>万</a:t>
-            </a:r>
-            <a:endParaRPr kumimoji="1" lang="ja-JP" altLang="en-US" dirty="0"/>
+              <a:t>無料乗車券</a:t>
+            </a:r>
+            <a:endParaRPr lang="en-US" altLang="ja-JP" dirty="0"/>
+          </a:p>
+          <a:p>
+            <a:endParaRPr kumimoji="1" lang="en-US" altLang="ja-JP" dirty="0" smtClean="0"/>
           </a:p>
         </p:txBody>
       </p:sp>
     </p:spTree>
     <p:extLst>
       <p:ext uri="{BB962C8B-B14F-4D97-AF65-F5344CB8AC3E}">
-        <p14:creationId xmlns:p14="http://schemas.microsoft.com/office/powerpoint/2010/main" val="2090869466"/>
+        <p14:creationId xmlns:p14="http://schemas.microsoft.com/office/powerpoint/2010/main" val="3533541963"/>
       </p:ext>
     </p:extLst>
   </p:cSld>

--- a/bluebird5/位置情報サービス.pptx
+++ b/bluebird5/位置情報サービス.pptx
@@ -448,7 +448,7 @@
             <a:fld id="{B61BEF0D-F0BB-DE4B-95CE-6DB70DBA9567}" type="datetimeFigureOut">
               <a:rPr lang="en-US" dirty="0"/>
               <a:pPr/>
-              <a:t>1/11/2017</a:t>
+              <a:t>1/18/2017</a:t>
             </a:fld>
             <a:endParaRPr lang="en-US" dirty="0"/>
           </a:p>
@@ -769,7 +769,7 @@
             <a:fld id="{B61BEF0D-F0BB-DE4B-95CE-6DB70DBA9567}" type="datetimeFigureOut">
               <a:rPr lang="en-US" dirty="0"/>
               <a:pPr/>
-              <a:t>1/11/2017</a:t>
+              <a:t>1/18/2017</a:t>
             </a:fld>
             <a:endParaRPr lang="en-US" dirty="0"/>
           </a:p>
@@ -1014,7 +1014,7 @@
             <a:fld id="{B61BEF0D-F0BB-DE4B-95CE-6DB70DBA9567}" type="datetimeFigureOut">
               <a:rPr lang="en-US" dirty="0"/>
               <a:pPr/>
-              <a:t>1/11/2017</a:t>
+              <a:t>1/18/2017</a:t>
             </a:fld>
             <a:endParaRPr lang="en-US" dirty="0"/>
           </a:p>
@@ -1350,7 +1350,7 @@
             <a:fld id="{B61BEF0D-F0BB-DE4B-95CE-6DB70DBA9567}" type="datetimeFigureOut">
               <a:rPr lang="en-US" dirty="0"/>
               <a:pPr/>
-              <a:t>1/11/2017</a:t>
+              <a:t>1/18/2017</a:t>
             </a:fld>
             <a:endParaRPr lang="en-US" dirty="0"/>
           </a:p>
@@ -1694,7 +1694,7 @@
             <a:fld id="{B61BEF0D-F0BB-DE4B-95CE-6DB70DBA9567}" type="datetimeFigureOut">
               <a:rPr lang="en-US" dirty="0"/>
               <a:pPr/>
-              <a:t>1/11/2017</a:t>
+              <a:t>1/18/2017</a:t>
             </a:fld>
             <a:endParaRPr lang="en-US" dirty="0"/>
           </a:p>
@@ -2065,7 +2065,7 @@
             <a:fld id="{B61BEF0D-F0BB-DE4B-95CE-6DB70DBA9567}" type="datetimeFigureOut">
               <a:rPr lang="en-US" dirty="0"/>
               <a:pPr/>
-              <a:t>1/11/2017</a:t>
+              <a:t>1/18/2017</a:t>
             </a:fld>
             <a:endParaRPr lang="en-US" dirty="0"/>
           </a:p>
@@ -2532,7 +2532,7 @@
             <a:fld id="{B61BEF0D-F0BB-DE4B-95CE-6DB70DBA9567}" type="datetimeFigureOut">
               <a:rPr lang="en-US" dirty="0"/>
               <a:pPr/>
-              <a:t>1/11/2017</a:t>
+              <a:t>1/18/2017</a:t>
             </a:fld>
             <a:endParaRPr lang="en-US" dirty="0"/>
           </a:p>
@@ -2766,7 +2766,7 @@
             <a:fld id="{B61BEF0D-F0BB-DE4B-95CE-6DB70DBA9567}" type="datetimeFigureOut">
               <a:rPr lang="en-US" dirty="0"/>
               <a:pPr/>
-              <a:t>1/11/2017</a:t>
+              <a:t>1/18/2017</a:t>
             </a:fld>
             <a:endParaRPr lang="en-US" dirty="0"/>
           </a:p>
@@ -3006,7 +3006,7 @@
             <a:fld id="{B61BEF0D-F0BB-DE4B-95CE-6DB70DBA9567}" type="datetimeFigureOut">
               <a:rPr lang="en-US" dirty="0"/>
               <a:pPr/>
-              <a:t>1/11/2017</a:t>
+              <a:t>1/18/2017</a:t>
             </a:fld>
             <a:endParaRPr lang="en-US" dirty="0"/>
           </a:p>
@@ -3266,7 +3266,7 @@
           <a:p>
             <a:fld id="{52647F38-B617-4D2F-AE0A-013F0C4D2C57}" type="datetimeFigureOut">
               <a:rPr lang="en-US" dirty="0"/>
-              <a:t>1/11/2017</a:t>
+              <a:t>1/18/2017</a:t>
             </a:fld>
             <a:endParaRPr lang="en-US" dirty="0"/>
           </a:p>
@@ -3510,7 +3510,7 @@
             <a:fld id="{B61BEF0D-F0BB-DE4B-95CE-6DB70DBA9567}" type="datetimeFigureOut">
               <a:rPr lang="en-US" dirty="0"/>
               <a:pPr/>
-              <a:t>1/11/2017</a:t>
+              <a:t>1/18/2017</a:t>
             </a:fld>
             <a:endParaRPr lang="en-US" dirty="0"/>
           </a:p>
@@ -3868,7 +3868,7 @@
           <a:p>
             <a:fld id="{05BFA754-D5C3-4E66-96A6-867B257F58DC}" type="datetimeFigureOut">
               <a:rPr lang="en-US" dirty="0"/>
-              <a:t>1/11/2017</a:t>
+              <a:t>1/18/2017</a:t>
             </a:fld>
             <a:endParaRPr lang="en-US" dirty="0"/>
           </a:p>
@@ -4322,7 +4322,7 @@
             <a:fld id="{B61BEF0D-F0BB-DE4B-95CE-6DB70DBA9567}" type="datetimeFigureOut">
               <a:rPr lang="en-US" dirty="0"/>
               <a:pPr/>
-              <a:t>1/11/2017</a:t>
+              <a:t>1/18/2017</a:t>
             </a:fld>
             <a:endParaRPr lang="en-US" dirty="0"/>
           </a:p>
@@ -4468,7 +4468,7 @@
             <a:fld id="{B61BEF0D-F0BB-DE4B-95CE-6DB70DBA9567}" type="datetimeFigureOut">
               <a:rPr lang="en-US" dirty="0"/>
               <a:pPr/>
-              <a:t>1/11/2017</a:t>
+              <a:t>1/18/2017</a:t>
             </a:fld>
             <a:endParaRPr lang="en-US" dirty="0"/>
           </a:p>
@@ -4591,7 +4591,7 @@
             <a:fld id="{B61BEF0D-F0BB-DE4B-95CE-6DB70DBA9567}" type="datetimeFigureOut">
               <a:rPr lang="en-US" dirty="0"/>
               <a:pPr/>
-              <a:t>1/11/2017</a:t>
+              <a:t>1/18/2017</a:t>
             </a:fld>
             <a:endParaRPr lang="en-US" dirty="0"/>
           </a:p>
@@ -4875,7 +4875,7 @@
             <a:fld id="{B61BEF0D-F0BB-DE4B-95CE-6DB70DBA9567}" type="datetimeFigureOut">
               <a:rPr lang="en-US" dirty="0"/>
               <a:pPr/>
-              <a:t>1/11/2017</a:t>
+              <a:t>1/18/2017</a:t>
             </a:fld>
             <a:endParaRPr lang="en-US" dirty="0"/>
           </a:p>
@@ -5187,7 +5187,7 @@
             <a:fld id="{B61BEF0D-F0BB-DE4B-95CE-6DB70DBA9567}" type="datetimeFigureOut">
               <a:rPr lang="en-US" dirty="0"/>
               <a:pPr/>
-              <a:t>1/11/2017</a:t>
+              <a:t>1/18/2017</a:t>
             </a:fld>
             <a:endParaRPr lang="en-US" dirty="0"/>
           </a:p>
@@ -5567,7 +5567,7 @@
             <a:fld id="{B61BEF0D-F0BB-DE4B-95CE-6DB70DBA9567}" type="datetimeFigureOut">
               <a:rPr lang="en-US" dirty="0"/>
               <a:pPr/>
-              <a:t>1/11/2017</a:t>
+              <a:t>1/18/2017</a:t>
             </a:fld>
             <a:endParaRPr lang="en-US" dirty="0"/>
           </a:p>
@@ -6310,11 +6310,7 @@
             </a:r>
             <a:r>
               <a:rPr lang="ja-JP" altLang="en-US" dirty="0" smtClean="0"/>
-              <a:t>；バスを利用</a:t>
-            </a:r>
-            <a:r>
-              <a:rPr lang="ja-JP" altLang="en-US" smtClean="0"/>
-              <a:t>する人</a:t>
+              <a:t>；バスを利用する人</a:t>
             </a:r>
             <a:endParaRPr lang="ja-JP" altLang="en-US" dirty="0"/>
           </a:p>
@@ -6738,7 +6734,12 @@
             <p:ph idx="1"/>
           </p:nvPr>
         </p:nvSpPr>
-        <p:spPr/>
+        <p:spPr>
+          <a:xfrm>
+            <a:off x="1295402" y="2605700"/>
+            <a:ext cx="9601196" cy="3318936"/>
+          </a:xfrm>
+        </p:spPr>
         <p:txBody>
           <a:bodyPr>
             <a:normAutofit fontScale="92500" lnSpcReduction="10000"/>
@@ -6751,7 +6752,7 @@
             </a:r>
             <a:r>
               <a:rPr lang="ja-JP" altLang="en-US" dirty="0" smtClean="0"/>
-              <a:t>円　　　</a:t>
+              <a:t>円　　　　</a:t>
             </a:r>
             <a:r>
               <a:rPr lang="en-US" altLang="ja-JP" dirty="0" smtClean="0"/>
@@ -6759,7 +6760,19 @@
             </a:r>
             <a:r>
               <a:rPr lang="ja-JP" altLang="en-US" dirty="0" smtClean="0"/>
-              <a:t>日乗車券と無料乗車券</a:t>
+              <a:t>回分乗車券と</a:t>
+            </a:r>
+            <a:r>
+              <a:rPr lang="en-US" altLang="ja-JP" dirty="0" smtClean="0"/>
+              <a:t>1</a:t>
+            </a:r>
+            <a:r>
+              <a:rPr lang="ja-JP" altLang="en-US" dirty="0" smtClean="0"/>
+              <a:t>回無料乗車券</a:t>
+            </a:r>
+            <a:r>
+              <a:rPr lang="ja-JP" altLang="en-US" dirty="0" smtClean="0"/>
+              <a:t>アプリ（バーコードを郵送する）</a:t>
             </a:r>
             <a:endParaRPr lang="en-US" altLang="ja-JP" dirty="0" smtClean="0"/>
           </a:p>
@@ -6773,11 +6786,11 @@
             </a:r>
             <a:r>
               <a:rPr kumimoji="1" lang="ja-JP" altLang="en-US" dirty="0" smtClean="0"/>
-              <a:t>円　　　１０</a:t>
+              <a:t>円　　　　１０</a:t>
             </a:r>
             <a:r>
               <a:rPr lang="ja-JP" altLang="en-US" dirty="0" smtClean="0"/>
-              <a:t>回分数券配布と</a:t>
+              <a:t>回分回数券と</a:t>
             </a:r>
             <a:r>
               <a:rPr lang="en-US" altLang="ja-JP" dirty="0" smtClean="0"/>
@@ -6795,6 +6808,10 @@
               <a:rPr lang="ja-JP" altLang="en-US" dirty="0" smtClean="0"/>
               <a:t>乗車券</a:t>
             </a:r>
+            <a:r>
+              <a:rPr lang="ja-JP" altLang="en-US" dirty="0" smtClean="0"/>
+              <a:t>アプリ（バーコードを郵送する）</a:t>
+            </a:r>
             <a:endParaRPr kumimoji="1" lang="en-US" altLang="ja-JP" dirty="0" smtClean="0"/>
           </a:p>
           <a:p>
@@ -6807,7 +6824,7 @@
             </a:r>
             <a:r>
               <a:rPr kumimoji="1" lang="ja-JP" altLang="en-US" dirty="0" smtClean="0"/>
-              <a:t>円　　　</a:t>
+              <a:t>円　　　　</a:t>
             </a:r>
             <a:r>
               <a:rPr kumimoji="1" lang="en-US" altLang="ja-JP" dirty="0" smtClean="0"/>
@@ -6827,7 +6844,15 @@
             </a:r>
             <a:r>
               <a:rPr lang="ja-JP" altLang="en-US" dirty="0"/>
-              <a:t>無料乗車券</a:t>
+              <a:t>無料</a:t>
+            </a:r>
+            <a:r>
+              <a:rPr lang="ja-JP" altLang="en-US" dirty="0" smtClean="0"/>
+              <a:t>乗車券</a:t>
+            </a:r>
+            <a:r>
+              <a:rPr lang="ja-JP" altLang="en-US" dirty="0" smtClean="0"/>
+              <a:t>アプリ（バーコードを郵送する）</a:t>
             </a:r>
             <a:endParaRPr lang="en-US" altLang="ja-JP" dirty="0"/>
           </a:p>
@@ -6861,8 +6886,19 @@
             </a:r>
             <a:r>
               <a:rPr lang="ja-JP" altLang="en-US" dirty="0"/>
-              <a:t>無料乗車券</a:t>
-            </a:r>
+              <a:t>無料</a:t>
+            </a:r>
+            <a:r>
+              <a:rPr lang="ja-JP" altLang="en-US" dirty="0" smtClean="0"/>
+              <a:t>乗車券</a:t>
+            </a:r>
+            <a:r>
+              <a:rPr lang="ja-JP" altLang="en-US" dirty="0" smtClean="0"/>
+              <a:t>アプリ（バーコードを郵送する）</a:t>
+            </a:r>
+            <a:endParaRPr lang="en-US" altLang="ja-JP" dirty="0"/>
+          </a:p>
+          <a:p>
             <a:endParaRPr lang="en-US" altLang="ja-JP" dirty="0"/>
           </a:p>
           <a:p>
@@ -6880,6 +6916,13 @@
   <p:clrMapOvr>
     <a:masterClrMapping/>
   </p:clrMapOvr>
+  <p:timing>
+    <p:tnLst>
+      <p:par>
+        <p:cTn id="1" dur="indefinite" restart="never" nodeType="tmRoot"/>
+      </p:par>
+    </p:tnLst>
+  </p:timing>
 </p:sld>
 </file>
 
